--- a/Notes/09_2_ThreeJS_1.pptx
+++ b/Notes/09_2_ThreeJS_1.pptx
@@ -225,7 +225,7 @@
           <a:p>
             <a:fld id="{1558EF9E-F90D-3644-932C-1F90C8EF183B}" type="datetimeFigureOut">
               <a:rPr kumimoji="1" lang="ko-KR" altLang="en-US" smtClean="0"/>
-              <a:t>2025. 5. 1.</a:t>
+              <a:t>2025. 5. 4.</a:t>
             </a:fld>
             <a:endParaRPr kumimoji="1" lang="ko-KR" altLang="en-US"/>
           </a:p>
@@ -3749,7 +3749,7 @@
             <a:pPr algn="ctr"/>
             <a:r>
               <a:rPr lang="en-US" altLang="ko-KR" dirty="0"/>
-              <a:t>09_ThreeJS_1</a:t>
+              <a:t>09_2_ThreeJS_1</a:t>
             </a:r>
             <a:endParaRPr lang="ko-KR" altLang="en-US" dirty="0"/>
           </a:p>
